--- a/2427030221_Siddhesh_Singh_Parmar.pptx
+++ b/2427030221_Siddhesh_Singh_Parmar.pptx
@@ -275,7 +275,7 @@
           <a:p>
             <a:fld id="{A7FACB4A-C46D-47C8-95BF-463F9F428625}" type="datetimeFigureOut">
               <a:rPr lang="en-IN" smtClean="0"/>
-              <a:t>15-02-2026</a:t>
+              <a:t>17-02-2026</a:t>
             </a:fld>
             <a:endParaRPr lang="en-IN"/>
           </a:p>
@@ -475,7 +475,7 @@
           <a:p>
             <a:fld id="{A7FACB4A-C46D-47C8-95BF-463F9F428625}" type="datetimeFigureOut">
               <a:rPr lang="en-IN" smtClean="0"/>
-              <a:t>15-02-2026</a:t>
+              <a:t>17-02-2026</a:t>
             </a:fld>
             <a:endParaRPr lang="en-IN"/>
           </a:p>
@@ -685,7 +685,7 @@
           <a:p>
             <a:fld id="{A7FACB4A-C46D-47C8-95BF-463F9F428625}" type="datetimeFigureOut">
               <a:rPr lang="en-IN" smtClean="0"/>
-              <a:t>15-02-2026</a:t>
+              <a:t>17-02-2026</a:t>
             </a:fld>
             <a:endParaRPr lang="en-IN"/>
           </a:p>
@@ -885,7 +885,7 @@
           <a:p>
             <a:fld id="{A7FACB4A-C46D-47C8-95BF-463F9F428625}" type="datetimeFigureOut">
               <a:rPr lang="en-IN" smtClean="0"/>
-              <a:t>15-02-2026</a:t>
+              <a:t>17-02-2026</a:t>
             </a:fld>
             <a:endParaRPr lang="en-IN"/>
           </a:p>
@@ -1161,7 +1161,7 @@
           <a:p>
             <a:fld id="{A7FACB4A-C46D-47C8-95BF-463F9F428625}" type="datetimeFigureOut">
               <a:rPr lang="en-IN" smtClean="0"/>
-              <a:t>15-02-2026</a:t>
+              <a:t>17-02-2026</a:t>
             </a:fld>
             <a:endParaRPr lang="en-IN"/>
           </a:p>
@@ -1429,7 +1429,7 @@
           <a:p>
             <a:fld id="{A7FACB4A-C46D-47C8-95BF-463F9F428625}" type="datetimeFigureOut">
               <a:rPr lang="en-IN" smtClean="0"/>
-              <a:t>15-02-2026</a:t>
+              <a:t>17-02-2026</a:t>
             </a:fld>
             <a:endParaRPr lang="en-IN"/>
           </a:p>
@@ -1844,7 +1844,7 @@
           <a:p>
             <a:fld id="{A7FACB4A-C46D-47C8-95BF-463F9F428625}" type="datetimeFigureOut">
               <a:rPr lang="en-IN" smtClean="0"/>
-              <a:t>15-02-2026</a:t>
+              <a:t>17-02-2026</a:t>
             </a:fld>
             <a:endParaRPr lang="en-IN"/>
           </a:p>
@@ -1986,7 +1986,7 @@
           <a:p>
             <a:fld id="{A7FACB4A-C46D-47C8-95BF-463F9F428625}" type="datetimeFigureOut">
               <a:rPr lang="en-IN" smtClean="0"/>
-              <a:t>15-02-2026</a:t>
+              <a:t>17-02-2026</a:t>
             </a:fld>
             <a:endParaRPr lang="en-IN"/>
           </a:p>
@@ -2099,7 +2099,7 @@
           <a:p>
             <a:fld id="{A7FACB4A-C46D-47C8-95BF-463F9F428625}" type="datetimeFigureOut">
               <a:rPr lang="en-IN" smtClean="0"/>
-              <a:t>15-02-2026</a:t>
+              <a:t>17-02-2026</a:t>
             </a:fld>
             <a:endParaRPr lang="en-IN"/>
           </a:p>
@@ -2412,7 +2412,7 @@
           <a:p>
             <a:fld id="{A7FACB4A-C46D-47C8-95BF-463F9F428625}" type="datetimeFigureOut">
               <a:rPr lang="en-IN" smtClean="0"/>
-              <a:t>15-02-2026</a:t>
+              <a:t>17-02-2026</a:t>
             </a:fld>
             <a:endParaRPr lang="en-IN"/>
           </a:p>
@@ -2701,7 +2701,7 @@
           <a:p>
             <a:fld id="{A7FACB4A-C46D-47C8-95BF-463F9F428625}" type="datetimeFigureOut">
               <a:rPr lang="en-IN" smtClean="0"/>
-              <a:t>15-02-2026</a:t>
+              <a:t>17-02-2026</a:t>
             </a:fld>
             <a:endParaRPr lang="en-IN"/>
           </a:p>
@@ -2944,7 +2944,7 @@
           <a:p>
             <a:fld id="{A7FACB4A-C46D-47C8-95BF-463F9F428625}" type="datetimeFigureOut">
               <a:rPr lang="en-IN" smtClean="0"/>
-              <a:t>15-02-2026</a:t>
+              <a:t>17-02-2026</a:t>
             </a:fld>
             <a:endParaRPr lang="en-IN"/>
           </a:p>
@@ -3385,13 +3385,13 @@
         </p:spPr>
         <p:txBody>
           <a:bodyPr>
-            <a:normAutofit fontScale="90000"/>
+            <a:normAutofit/>
           </a:bodyPr>
           <a:lstStyle/>
           <a:p>
             <a:r>
               <a:rPr lang="en-IN" dirty="0"/>
-              <a:t>AI-Based Examination Monitoring System</a:t>
+              <a:t> Examination Monitoring System</a:t>
             </a:r>
           </a:p>
         </p:txBody>
@@ -5381,13 +5381,6 @@
             </a:br>
             <a:r>
               <a:rPr lang="en-IN" dirty="0"/>
-              <a:t>• Deep learning CNN models</a:t>
-            </a:r>
-            <a:br>
-              <a:rPr lang="en-IN" dirty="0"/>
-            </a:br>
-            <a:r>
-              <a:rPr lang="en-IN" dirty="0"/>
               <a:t>• Face recognition systems</a:t>
             </a:r>
             <a:br>
@@ -5501,7 +5494,7 @@
             </a:pPr>
             <a:r>
               <a:rPr lang="en-US" dirty="0"/>
-              <a:t>Design and implement a real-time AI-based examination monitoring system capable of detecting suspicious head movements during online exams.</a:t>
+              <a:t>Design and implement a real-time examination monitoring system capable of detecting suspicious head movements during online exams.</a:t>
             </a:r>
             <a:endParaRPr lang="en-IN" dirty="0"/>
           </a:p>

--- a/2427030221_Siddhesh_Singh_Parmar.pptx
+++ b/2427030221_Siddhesh_Singh_Parmar.pptx
@@ -15,11 +15,10 @@
     <p:sldId id="261" r:id="rId9"/>
     <p:sldId id="269" r:id="rId10"/>
     <p:sldId id="270" r:id="rId11"/>
-    <p:sldId id="271" r:id="rId12"/>
-    <p:sldId id="266" r:id="rId13"/>
-    <p:sldId id="267" r:id="rId14"/>
-    <p:sldId id="263" r:id="rId15"/>
-    <p:sldId id="264" r:id="rId16"/>
+    <p:sldId id="266" r:id="rId12"/>
+    <p:sldId id="267" r:id="rId13"/>
+    <p:sldId id="263" r:id="rId14"/>
+    <p:sldId id="264" r:id="rId15"/>
   </p:sldIdLst>
   <p:sldSz cx="12192000" cy="6858000"/>
   <p:notesSz cx="6858000" cy="9144000"/>
@@ -275,7 +274,7 @@
           <a:p>
             <a:fld id="{A7FACB4A-C46D-47C8-95BF-463F9F428625}" type="datetimeFigureOut">
               <a:rPr lang="en-IN" smtClean="0"/>
-              <a:t>17-02-2026</a:t>
+              <a:t>19-02-2026</a:t>
             </a:fld>
             <a:endParaRPr lang="en-IN"/>
           </a:p>
@@ -475,7 +474,7 @@
           <a:p>
             <a:fld id="{A7FACB4A-C46D-47C8-95BF-463F9F428625}" type="datetimeFigureOut">
               <a:rPr lang="en-IN" smtClean="0"/>
-              <a:t>17-02-2026</a:t>
+              <a:t>19-02-2026</a:t>
             </a:fld>
             <a:endParaRPr lang="en-IN"/>
           </a:p>
@@ -685,7 +684,7 @@
           <a:p>
             <a:fld id="{A7FACB4A-C46D-47C8-95BF-463F9F428625}" type="datetimeFigureOut">
               <a:rPr lang="en-IN" smtClean="0"/>
-              <a:t>17-02-2026</a:t>
+              <a:t>19-02-2026</a:t>
             </a:fld>
             <a:endParaRPr lang="en-IN"/>
           </a:p>
@@ -885,7 +884,7 @@
           <a:p>
             <a:fld id="{A7FACB4A-C46D-47C8-95BF-463F9F428625}" type="datetimeFigureOut">
               <a:rPr lang="en-IN" smtClean="0"/>
-              <a:t>17-02-2026</a:t>
+              <a:t>19-02-2026</a:t>
             </a:fld>
             <a:endParaRPr lang="en-IN"/>
           </a:p>
@@ -1161,7 +1160,7 @@
           <a:p>
             <a:fld id="{A7FACB4A-C46D-47C8-95BF-463F9F428625}" type="datetimeFigureOut">
               <a:rPr lang="en-IN" smtClean="0"/>
-              <a:t>17-02-2026</a:t>
+              <a:t>19-02-2026</a:t>
             </a:fld>
             <a:endParaRPr lang="en-IN"/>
           </a:p>
@@ -1429,7 +1428,7 @@
           <a:p>
             <a:fld id="{A7FACB4A-C46D-47C8-95BF-463F9F428625}" type="datetimeFigureOut">
               <a:rPr lang="en-IN" smtClean="0"/>
-              <a:t>17-02-2026</a:t>
+              <a:t>19-02-2026</a:t>
             </a:fld>
             <a:endParaRPr lang="en-IN"/>
           </a:p>
@@ -1844,7 +1843,7 @@
           <a:p>
             <a:fld id="{A7FACB4A-C46D-47C8-95BF-463F9F428625}" type="datetimeFigureOut">
               <a:rPr lang="en-IN" smtClean="0"/>
-              <a:t>17-02-2026</a:t>
+              <a:t>19-02-2026</a:t>
             </a:fld>
             <a:endParaRPr lang="en-IN"/>
           </a:p>
@@ -1986,7 +1985,7 @@
           <a:p>
             <a:fld id="{A7FACB4A-C46D-47C8-95BF-463F9F428625}" type="datetimeFigureOut">
               <a:rPr lang="en-IN" smtClean="0"/>
-              <a:t>17-02-2026</a:t>
+              <a:t>19-02-2026</a:t>
             </a:fld>
             <a:endParaRPr lang="en-IN"/>
           </a:p>
@@ -2099,7 +2098,7 @@
           <a:p>
             <a:fld id="{A7FACB4A-C46D-47C8-95BF-463F9F428625}" type="datetimeFigureOut">
               <a:rPr lang="en-IN" smtClean="0"/>
-              <a:t>17-02-2026</a:t>
+              <a:t>19-02-2026</a:t>
             </a:fld>
             <a:endParaRPr lang="en-IN"/>
           </a:p>
@@ -2412,7 +2411,7 @@
           <a:p>
             <a:fld id="{A7FACB4A-C46D-47C8-95BF-463F9F428625}" type="datetimeFigureOut">
               <a:rPr lang="en-IN" smtClean="0"/>
-              <a:t>17-02-2026</a:t>
+              <a:t>19-02-2026</a:t>
             </a:fld>
             <a:endParaRPr lang="en-IN"/>
           </a:p>
@@ -2701,7 +2700,7 @@
           <a:p>
             <a:fld id="{A7FACB4A-C46D-47C8-95BF-463F9F428625}" type="datetimeFigureOut">
               <a:rPr lang="en-IN" smtClean="0"/>
-              <a:t>17-02-2026</a:t>
+              <a:t>19-02-2026</a:t>
             </a:fld>
             <a:endParaRPr lang="en-IN"/>
           </a:p>
@@ -2944,7 +2943,7 @@
           <a:p>
             <a:fld id="{A7FACB4A-C46D-47C8-95BF-463F9F428625}" type="datetimeFigureOut">
               <a:rPr lang="en-IN" smtClean="0"/>
-              <a:t>17-02-2026</a:t>
+              <a:t>19-02-2026</a:t>
             </a:fld>
             <a:endParaRPr lang="en-IN"/>
           </a:p>
@@ -3842,28 +3841,7 @@
             </a:pPr>
             <a:r>
               <a:rPr lang="en-US" dirty="0"/>
-              <a:t>Step 5: Angle Calculation</a:t>
-            </a:r>
-          </a:p>
-          <a:p>
-            <a:r>
-              <a:rPr lang="en-US" dirty="0"/>
-              <a:t>Convert rotation matrix to Euler angles</a:t>
-            </a:r>
-          </a:p>
-          <a:p>
-            <a:r>
-              <a:rPr lang="en-US" dirty="0"/>
-              <a:t>Extract Yaw &amp; Pitch</a:t>
-            </a:r>
-          </a:p>
-          <a:p>
-            <a:pPr marL="0" indent="0">
-              <a:buNone/>
-            </a:pPr>
-            <a:r>
-              <a:rPr lang="en-US" dirty="0"/>
-              <a:t>Step 6: Suspicion Detection</a:t>
+              <a:t>Step 5: Suspicion Detection</a:t>
             </a:r>
           </a:p>
           <a:p>
@@ -3897,137 +3875,6 @@
 </file>
 
 <file path=ppt/slides/slide11.xml><?xml version="1.0" encoding="utf-8"?>
-<p:sld xmlns:a="http://schemas.openxmlformats.org/drawingml/2006/main" xmlns:r="http://schemas.openxmlformats.org/officeDocument/2006/relationships" xmlns:p="http://schemas.openxmlformats.org/presentationml/2006/main">
-  <p:cSld>
-    <p:spTree>
-      <p:nvGrpSpPr>
-        <p:cNvPr id="1" name=""/>
-        <p:cNvGrpSpPr/>
-        <p:nvPr/>
-      </p:nvGrpSpPr>
-      <p:grpSpPr>
-        <a:xfrm>
-          <a:off x="0" y="0"/>
-          <a:ext cx="0" cy="0"/>
-          <a:chOff x="0" y="0"/>
-          <a:chExt cx="0" cy="0"/>
-        </a:xfrm>
-      </p:grpSpPr>
-      <p:sp>
-        <p:nvSpPr>
-          <p:cNvPr id="2" name="Title 1">
-            <a:extLst>
-              <a:ext uri="{FF2B5EF4-FFF2-40B4-BE49-F238E27FC236}">
-                <a16:creationId xmlns:a16="http://schemas.microsoft.com/office/drawing/2014/main" id="{89C85447-37B0-D6EE-A70E-04F3AD1D508E}"/>
-              </a:ext>
-            </a:extLst>
-          </p:cNvPr>
-          <p:cNvSpPr>
-            <a:spLocks noGrp="1"/>
-          </p:cNvSpPr>
-          <p:nvPr>
-            <p:ph type="title"/>
-          </p:nvPr>
-        </p:nvSpPr>
-        <p:spPr/>
-        <p:txBody>
-          <a:bodyPr/>
-          <a:lstStyle/>
-          <a:p>
-            <a:r>
-              <a:rPr lang="en-IN" dirty="0"/>
-              <a:t>Proposed Methodology</a:t>
-            </a:r>
-          </a:p>
-        </p:txBody>
-      </p:sp>
-      <p:sp>
-        <p:nvSpPr>
-          <p:cNvPr id="3" name="Content Placeholder 2">
-            <a:extLst>
-              <a:ext uri="{FF2B5EF4-FFF2-40B4-BE49-F238E27FC236}">
-                <a16:creationId xmlns:a16="http://schemas.microsoft.com/office/drawing/2014/main" id="{7F0C1743-6BE5-027A-E083-B4E2B4BBF131}"/>
-              </a:ext>
-            </a:extLst>
-          </p:cNvPr>
-          <p:cNvSpPr>
-            <a:spLocks noGrp="1"/>
-          </p:cNvSpPr>
-          <p:nvPr>
-            <p:ph idx="1"/>
-          </p:nvPr>
-        </p:nvSpPr>
-        <p:spPr/>
-        <p:txBody>
-          <a:bodyPr/>
-          <a:lstStyle/>
-          <a:p>
-            <a:pPr marL="0" indent="0">
-              <a:buNone/>
-            </a:pPr>
-            <a:r>
-              <a:rPr lang="en-US" dirty="0"/>
-              <a:t>Step 7: Cooldown Logic</a:t>
-            </a:r>
-          </a:p>
-          <a:p>
-            <a:r>
-              <a:rPr lang="en-US" dirty="0"/>
-              <a:t>Prevent flickering false detections</a:t>
-            </a:r>
-          </a:p>
-          <a:p>
-            <a:pPr marL="0" indent="0">
-              <a:buNone/>
-            </a:pPr>
-            <a:r>
-              <a:rPr lang="en-US" dirty="0"/>
-              <a:t>Step 8: Real-time Visualization</a:t>
-            </a:r>
-          </a:p>
-          <a:p>
-            <a:r>
-              <a:rPr lang="en-US" dirty="0"/>
-              <a:t>Display direction</a:t>
-            </a:r>
-          </a:p>
-          <a:p>
-            <a:r>
-              <a:rPr lang="en-US" dirty="0"/>
-              <a:t>Display suspicious event count</a:t>
-            </a:r>
-          </a:p>
-          <a:p>
-            <a:r>
-              <a:rPr lang="en-US" dirty="0"/>
-              <a:t>Show warning status</a:t>
-            </a:r>
-          </a:p>
-          <a:p>
-            <a:r>
-              <a:rPr lang="en-US" dirty="0"/>
-              <a:t>You can add a flowchart diagram here if required.</a:t>
-            </a:r>
-          </a:p>
-          <a:p>
-            <a:endParaRPr lang="en-IN" dirty="0"/>
-          </a:p>
-        </p:txBody>
-      </p:sp>
-    </p:spTree>
-    <p:extLst>
-      <p:ext uri="{BB962C8B-B14F-4D97-AF65-F5344CB8AC3E}">
-        <p14:creationId xmlns:p14="http://schemas.microsoft.com/office/powerpoint/2010/main" val="519760408"/>
-      </p:ext>
-    </p:extLst>
-  </p:cSld>
-  <p:clrMapOvr>
-    <a:masterClrMapping/>
-  </p:clrMapOvr>
-</p:sld>
-</file>
-
-<file path=ppt/slides/slide12.xml><?xml version="1.0" encoding="utf-8"?>
 <p:sld xmlns:a="http://schemas.openxmlformats.org/drawingml/2006/main" xmlns:r="http://schemas.openxmlformats.org/officeDocument/2006/relationships" xmlns:p="http://schemas.openxmlformats.org/presentationml/2006/main">
   <p:cSld>
     <p:spTree>
@@ -4545,6 +4392,134 @@
 </p:sld>
 </file>
 
+<file path=ppt/slides/slide12.xml><?xml version="1.0" encoding="utf-8"?>
+<p:sld xmlns:a="http://schemas.openxmlformats.org/drawingml/2006/main" xmlns:r="http://schemas.openxmlformats.org/officeDocument/2006/relationships" xmlns:p="http://schemas.openxmlformats.org/presentationml/2006/main">
+  <p:cSld>
+    <p:spTree>
+      <p:nvGrpSpPr>
+        <p:cNvPr id="1" name=""/>
+        <p:cNvGrpSpPr/>
+        <p:nvPr/>
+      </p:nvGrpSpPr>
+      <p:grpSpPr>
+        <a:xfrm>
+          <a:off x="0" y="0"/>
+          <a:ext cx="0" cy="0"/>
+          <a:chOff x="0" y="0"/>
+          <a:chExt cx="0" cy="0"/>
+        </a:xfrm>
+      </p:grpSpPr>
+      <p:sp>
+        <p:nvSpPr>
+          <p:cNvPr id="2" name="Title 1">
+            <a:extLst>
+              <a:ext uri="{FF2B5EF4-FFF2-40B4-BE49-F238E27FC236}">
+                <a16:creationId xmlns:a16="http://schemas.microsoft.com/office/drawing/2014/main" id="{ABB19452-3000-DF4A-F633-2C06CB0E4BBE}"/>
+              </a:ext>
+            </a:extLst>
+          </p:cNvPr>
+          <p:cNvSpPr>
+            <a:spLocks noGrp="1"/>
+          </p:cNvSpPr>
+          <p:nvPr>
+            <p:ph type="title"/>
+          </p:nvPr>
+        </p:nvSpPr>
+        <p:spPr/>
+        <p:txBody>
+          <a:bodyPr/>
+          <a:lstStyle/>
+          <a:p>
+            <a:r>
+              <a:rPr lang="en-US" dirty="0"/>
+              <a:t>Outcome </a:t>
+            </a:r>
+          </a:p>
+        </p:txBody>
+      </p:sp>
+      <p:sp>
+        <p:nvSpPr>
+          <p:cNvPr id="3" name="Content Placeholder 2">
+            <a:extLst>
+              <a:ext uri="{FF2B5EF4-FFF2-40B4-BE49-F238E27FC236}">
+                <a16:creationId xmlns:a16="http://schemas.microsoft.com/office/drawing/2014/main" id="{996084D1-BF8A-599C-4DEE-5FD15C78EC1C}"/>
+              </a:ext>
+            </a:extLst>
+          </p:cNvPr>
+          <p:cNvSpPr>
+            <a:spLocks noGrp="1"/>
+          </p:cNvSpPr>
+          <p:nvPr>
+            <p:ph idx="1"/>
+          </p:nvPr>
+        </p:nvSpPr>
+        <p:spPr/>
+        <p:txBody>
+          <a:bodyPr/>
+          <a:lstStyle/>
+          <a:p>
+            <a:r>
+              <a:rPr lang="en-US" sz="2400" dirty="0"/>
+              <a:t>Current Semester Achievement:</a:t>
+            </a:r>
+          </a:p>
+          <a:p>
+            <a:pPr marL="0" indent="0">
+              <a:buNone/>
+            </a:pPr>
+            <a:r>
+              <a:rPr lang="en-US" sz="2400" dirty="0"/>
+              <a:t>✔ Real-time head pose detection implemented</a:t>
+            </a:r>
+            <a:br>
+              <a:rPr lang="en-US" sz="2400" dirty="0"/>
+            </a:br>
+            <a:r>
+              <a:rPr lang="en-US" sz="2400" dirty="0"/>
+              <a:t>✔ Suspicion scoring engine completed</a:t>
+            </a:r>
+            <a:br>
+              <a:rPr lang="en-US" sz="2400" dirty="0"/>
+            </a:br>
+            <a:r>
+              <a:rPr lang="en-US" sz="2400" dirty="0"/>
+              <a:t>✔ GitHub hosting deployed</a:t>
+            </a:r>
+            <a:br>
+              <a:rPr lang="en-US" sz="2400" dirty="0"/>
+            </a:br>
+            <a:r>
+              <a:rPr lang="en-US" sz="2400" dirty="0"/>
+              <a:t>✔ Live demonstration working</a:t>
+            </a:r>
+          </a:p>
+          <a:p>
+            <a:pPr marL="0" indent="0">
+              <a:buNone/>
+            </a:pPr>
+            <a:endParaRPr lang="en-US" sz="2000" dirty="0"/>
+          </a:p>
+          <a:p>
+            <a:pPr marL="0" indent="0">
+              <a:buNone/>
+            </a:pPr>
+            <a:endParaRPr lang="en-US" sz="2000" dirty="0"/>
+          </a:p>
+        </p:txBody>
+      </p:sp>
+    </p:spTree>
+    <p:extLst>
+      <p:ext uri="{BB962C8B-B14F-4D97-AF65-F5344CB8AC3E}">
+        <p14:creationId xmlns:p14="http://schemas.microsoft.com/office/powerpoint/2010/main" val="2154956931"/>
+      </p:ext>
+    </p:extLst>
+  </p:cSld>
+  <p:clrMapOvr>
+    <a:masterClrMapping/>
+  </p:clrMapOvr>
+</p:sld>
+</file>
+
 <file path=ppt/slides/slide13.xml><?xml version="1.0" encoding="utf-8"?>
 <p:sld xmlns:a="http://schemas.openxmlformats.org/drawingml/2006/main" xmlns:r="http://schemas.openxmlformats.org/officeDocument/2006/relationships" xmlns:p="http://schemas.openxmlformats.org/presentationml/2006/main">
   <p:cSld>
@@ -4567,134 +4542,6 @@
           <p:cNvPr id="2" name="Title 1">
             <a:extLst>
               <a:ext uri="{FF2B5EF4-FFF2-40B4-BE49-F238E27FC236}">
-                <a16:creationId xmlns:a16="http://schemas.microsoft.com/office/drawing/2014/main" id="{ABB19452-3000-DF4A-F633-2C06CB0E4BBE}"/>
-              </a:ext>
-            </a:extLst>
-          </p:cNvPr>
-          <p:cNvSpPr>
-            <a:spLocks noGrp="1"/>
-          </p:cNvSpPr>
-          <p:nvPr>
-            <p:ph type="title"/>
-          </p:nvPr>
-        </p:nvSpPr>
-        <p:spPr/>
-        <p:txBody>
-          <a:bodyPr/>
-          <a:lstStyle/>
-          <a:p>
-            <a:r>
-              <a:rPr lang="en-US" dirty="0"/>
-              <a:t>Outcome </a:t>
-            </a:r>
-          </a:p>
-        </p:txBody>
-      </p:sp>
-      <p:sp>
-        <p:nvSpPr>
-          <p:cNvPr id="3" name="Content Placeholder 2">
-            <a:extLst>
-              <a:ext uri="{FF2B5EF4-FFF2-40B4-BE49-F238E27FC236}">
-                <a16:creationId xmlns:a16="http://schemas.microsoft.com/office/drawing/2014/main" id="{996084D1-BF8A-599C-4DEE-5FD15C78EC1C}"/>
-              </a:ext>
-            </a:extLst>
-          </p:cNvPr>
-          <p:cNvSpPr>
-            <a:spLocks noGrp="1"/>
-          </p:cNvSpPr>
-          <p:nvPr>
-            <p:ph idx="1"/>
-          </p:nvPr>
-        </p:nvSpPr>
-        <p:spPr/>
-        <p:txBody>
-          <a:bodyPr/>
-          <a:lstStyle/>
-          <a:p>
-            <a:r>
-              <a:rPr lang="en-US" sz="2400" dirty="0"/>
-              <a:t>Current Semester Achievement:</a:t>
-            </a:r>
-          </a:p>
-          <a:p>
-            <a:pPr marL="0" indent="0">
-              <a:buNone/>
-            </a:pPr>
-            <a:r>
-              <a:rPr lang="en-US" sz="2400" dirty="0"/>
-              <a:t>✔ Real-time head pose detection implemented</a:t>
-            </a:r>
-            <a:br>
-              <a:rPr lang="en-US" sz="2400" dirty="0"/>
-            </a:br>
-            <a:r>
-              <a:rPr lang="en-US" sz="2400" dirty="0"/>
-              <a:t>✔ Suspicion scoring engine completed</a:t>
-            </a:r>
-            <a:br>
-              <a:rPr lang="en-US" sz="2400" dirty="0"/>
-            </a:br>
-            <a:r>
-              <a:rPr lang="en-US" sz="2400" dirty="0"/>
-              <a:t>✔ GitHub hosting deployed</a:t>
-            </a:r>
-            <a:br>
-              <a:rPr lang="en-US" sz="2400" dirty="0"/>
-            </a:br>
-            <a:r>
-              <a:rPr lang="en-US" sz="2400" dirty="0"/>
-              <a:t>✔ Live demonstration working</a:t>
-            </a:r>
-          </a:p>
-          <a:p>
-            <a:pPr marL="0" indent="0">
-              <a:buNone/>
-            </a:pPr>
-            <a:endParaRPr lang="en-US" sz="2000" dirty="0"/>
-          </a:p>
-          <a:p>
-            <a:pPr marL="0" indent="0">
-              <a:buNone/>
-            </a:pPr>
-            <a:endParaRPr lang="en-US" sz="2000" dirty="0"/>
-          </a:p>
-        </p:txBody>
-      </p:sp>
-    </p:spTree>
-    <p:extLst>
-      <p:ext uri="{BB962C8B-B14F-4D97-AF65-F5344CB8AC3E}">
-        <p14:creationId xmlns:p14="http://schemas.microsoft.com/office/powerpoint/2010/main" val="2154956931"/>
-      </p:ext>
-    </p:extLst>
-  </p:cSld>
-  <p:clrMapOvr>
-    <a:masterClrMapping/>
-  </p:clrMapOvr>
-</p:sld>
-</file>
-
-<file path=ppt/slides/slide14.xml><?xml version="1.0" encoding="utf-8"?>
-<p:sld xmlns:a="http://schemas.openxmlformats.org/drawingml/2006/main" xmlns:r="http://schemas.openxmlformats.org/officeDocument/2006/relationships" xmlns:p="http://schemas.openxmlformats.org/presentationml/2006/main">
-  <p:cSld>
-    <p:spTree>
-      <p:nvGrpSpPr>
-        <p:cNvPr id="1" name=""/>
-        <p:cNvGrpSpPr/>
-        <p:nvPr/>
-      </p:nvGrpSpPr>
-      <p:grpSpPr>
-        <a:xfrm>
-          <a:off x="0" y="0"/>
-          <a:ext cx="0" cy="0"/>
-          <a:chOff x="0" y="0"/>
-          <a:chExt cx="0" cy="0"/>
-        </a:xfrm>
-      </p:grpSpPr>
-      <p:sp>
-        <p:nvSpPr>
-          <p:cNvPr id="2" name="Title 1">
-            <a:extLst>
-              <a:ext uri="{FF2B5EF4-FFF2-40B4-BE49-F238E27FC236}">
                 <a16:creationId xmlns:a16="http://schemas.microsoft.com/office/drawing/2014/main" id="{5C6C5325-4A51-AE05-7BE6-440D74D0BCB6}"/>
               </a:ext>
             </a:extLst>
@@ -4798,7 +4645,7 @@
 </p:sld>
 </file>
 
-<file path=ppt/slides/slide15.xml><?xml version="1.0" encoding="utf-8"?>
+<file path=ppt/slides/slide14.xml><?xml version="1.0" encoding="utf-8"?>
 <p:sld xmlns:a="http://schemas.openxmlformats.org/drawingml/2006/main" xmlns:r="http://schemas.openxmlformats.org/officeDocument/2006/relationships" xmlns:p="http://schemas.openxmlformats.org/presentationml/2006/main">
   <p:cSld>
     <p:spTree>
@@ -5847,21 +5694,15 @@
           <a:p>
             <a:r>
               <a:rPr lang="en-US" dirty="0"/>
-              <a:t>Apply </a:t>
+              <a:t>Compare the nose landmarks with </a:t>
             </a:r>
             <a:r>
               <a:rPr lang="en-US" dirty="0" err="1"/>
-              <a:t>SolvePnP</a:t>
+              <a:t>centre</a:t>
             </a:r>
             <a:r>
               <a:rPr lang="en-US" dirty="0"/>
-              <a:t> algorithm</a:t>
-            </a:r>
-          </a:p>
-          <a:p>
-            <a:r>
-              <a:rPr lang="en-US" dirty="0"/>
-              <a:t>Compute rotation vector</a:t>
+              <a:t> of frame and thus getting the head pose estimation</a:t>
             </a:r>
           </a:p>
           <a:p>
